--- a/SASS-tehtäviä.pptx
+++ b/SASS-tehtäviä.pptx
@@ -10,6 +10,7 @@
     <p:sldId id="259" r:id="rId4"/>
     <p:sldId id="260" r:id="rId5"/>
     <p:sldId id="261" r:id="rId6"/>
+    <p:sldId id="262" r:id="rId7"/>
   </p:sldIdLst>
   <p:sldSz cx="9144000" cy="6858000" type="screen4x3"/>
   <p:notesSz cx="6858000" cy="9144000"/>
@@ -292,7 +293,7 @@
           <a:p>
             <a:fld id="{32EEBB75-B9C2-1B41-AC62-43D523FCBC1A}" type="datetimeFigureOut">
               <a:rPr lang="en-US" smtClean="0"/>
-              <a:t>10/24/12</a:t>
+              <a:t>10/25/2012</a:t>
             </a:fld>
             <a:endParaRPr lang="en-US"/>
           </a:p>
@@ -462,7 +463,7 @@
           <a:p>
             <a:fld id="{32EEBB75-B9C2-1B41-AC62-43D523FCBC1A}" type="datetimeFigureOut">
               <a:rPr lang="en-US" smtClean="0"/>
-              <a:t>10/24/12</a:t>
+              <a:t>10/25/2012</a:t>
             </a:fld>
             <a:endParaRPr lang="en-US"/>
           </a:p>
@@ -642,7 +643,7 @@
           <a:p>
             <a:fld id="{32EEBB75-B9C2-1B41-AC62-43D523FCBC1A}" type="datetimeFigureOut">
               <a:rPr lang="en-US" smtClean="0"/>
-              <a:t>10/24/12</a:t>
+              <a:t>10/25/2012</a:t>
             </a:fld>
             <a:endParaRPr lang="en-US"/>
           </a:p>
@@ -812,7 +813,7 @@
           <a:p>
             <a:fld id="{32EEBB75-B9C2-1B41-AC62-43D523FCBC1A}" type="datetimeFigureOut">
               <a:rPr lang="en-US" smtClean="0"/>
-              <a:t>10/24/12</a:t>
+              <a:t>10/25/2012</a:t>
             </a:fld>
             <a:endParaRPr lang="en-US"/>
           </a:p>
@@ -1058,7 +1059,7 @@
           <a:p>
             <a:fld id="{32EEBB75-B9C2-1B41-AC62-43D523FCBC1A}" type="datetimeFigureOut">
               <a:rPr lang="en-US" smtClean="0"/>
-              <a:t>10/24/12</a:t>
+              <a:t>10/25/2012</a:t>
             </a:fld>
             <a:endParaRPr lang="en-US"/>
           </a:p>
@@ -1346,7 +1347,7 @@
           <a:p>
             <a:fld id="{32EEBB75-B9C2-1B41-AC62-43D523FCBC1A}" type="datetimeFigureOut">
               <a:rPr lang="en-US" smtClean="0"/>
-              <a:t>10/24/12</a:t>
+              <a:t>10/25/2012</a:t>
             </a:fld>
             <a:endParaRPr lang="en-US"/>
           </a:p>
@@ -1768,7 +1769,7 @@
           <a:p>
             <a:fld id="{32EEBB75-B9C2-1B41-AC62-43D523FCBC1A}" type="datetimeFigureOut">
               <a:rPr lang="en-US" smtClean="0"/>
-              <a:t>10/24/12</a:t>
+              <a:t>10/25/2012</a:t>
             </a:fld>
             <a:endParaRPr lang="en-US"/>
           </a:p>
@@ -1886,7 +1887,7 @@
           <a:p>
             <a:fld id="{32EEBB75-B9C2-1B41-AC62-43D523FCBC1A}" type="datetimeFigureOut">
               <a:rPr lang="en-US" smtClean="0"/>
-              <a:t>10/24/12</a:t>
+              <a:t>10/25/2012</a:t>
             </a:fld>
             <a:endParaRPr lang="en-US"/>
           </a:p>
@@ -1981,7 +1982,7 @@
           <a:p>
             <a:fld id="{32EEBB75-B9C2-1B41-AC62-43D523FCBC1A}" type="datetimeFigureOut">
               <a:rPr lang="en-US" smtClean="0"/>
-              <a:t>10/24/12</a:t>
+              <a:t>10/25/2012</a:t>
             </a:fld>
             <a:endParaRPr lang="en-US"/>
           </a:p>
@@ -2258,7 +2259,7 @@
           <a:p>
             <a:fld id="{32EEBB75-B9C2-1B41-AC62-43D523FCBC1A}" type="datetimeFigureOut">
               <a:rPr lang="en-US" smtClean="0"/>
-              <a:t>10/24/12</a:t>
+              <a:t>10/25/2012</a:t>
             </a:fld>
             <a:endParaRPr lang="en-US"/>
           </a:p>
@@ -2511,7 +2512,7 @@
           <a:p>
             <a:fld id="{32EEBB75-B9C2-1B41-AC62-43D523FCBC1A}" type="datetimeFigureOut">
               <a:rPr lang="en-US" smtClean="0"/>
-              <a:t>10/24/12</a:t>
+              <a:t>10/25/2012</a:t>
             </a:fld>
             <a:endParaRPr lang="en-US"/>
           </a:p>
@@ -2724,7 +2725,7 @@
           <a:p>
             <a:fld id="{32EEBB75-B9C2-1B41-AC62-43D523FCBC1A}" type="datetimeFigureOut">
               <a:rPr lang="en-US" smtClean="0"/>
-              <a:t>10/24/12</a:t>
+              <a:t>10/25/2012</a:t>
             </a:fld>
             <a:endParaRPr lang="en-US"/>
           </a:p>
@@ -3426,7 +3427,6 @@
               <a:rPr lang="en-US" dirty="0" smtClean="0"/>
               <a:t>?</a:t>
             </a:r>
-            <a:endParaRPr lang="en-US" dirty="0" smtClean="0"/>
           </a:p>
         </p:txBody>
       </p:sp>
@@ -3438,8 +3438,8 @@
         </p:nvSpPr>
         <p:spPr>
           <a:xfrm>
-            <a:off x="5627245" y="6126282"/>
-            <a:ext cx="3378900" cy="646331"/>
+            <a:off x="5627245" y="5771043"/>
+            <a:ext cx="3378900" cy="923330"/>
           </a:xfrm>
           <a:prstGeom prst="rect">
             <a:avLst/>
@@ -3477,6 +3477,25 @@
             </a:r>
             <a:r>
               <a:rPr lang="en-US" dirty="0" smtClean="0"/>
+              <a:t/>
+            </a:r>
+            <a:br>
+              <a:rPr lang="en-US" dirty="0" smtClean="0"/>
+            </a:br>
+            <a:r>
+              <a:rPr lang="en-US" dirty="0" err="1" smtClean="0"/>
+              <a:t>tiedostoon</a:t>
+            </a:r>
+            <a:r>
+              <a:rPr lang="en-US" dirty="0" smtClean="0"/>
+              <a:t> </a:t>
+            </a:r>
+            <a:r>
+              <a:rPr lang="en-US" b="1" dirty="0" smtClean="0"/>
+              <a:t>index1.html</a:t>
+            </a:r>
+            <a:r>
+              <a:rPr lang="en-US" dirty="0" smtClean="0"/>
               <a:t> </a:t>
             </a:r>
             <a:r>
@@ -3503,7 +3522,35 @@
               <a:rPr lang="en-US" dirty="0" smtClean="0"/>
               <a:t>.</a:t>
             </a:r>
-            <a:endParaRPr lang="en-US" dirty="0" smtClean="0"/>
+          </a:p>
+        </p:txBody>
+      </p:sp>
+      <p:sp>
+        <p:nvSpPr>
+          <p:cNvPr id="8" name="Rectangle 7"/>
+          <p:cNvSpPr/>
+          <p:nvPr/>
+        </p:nvSpPr>
+        <p:spPr>
+          <a:xfrm>
+            <a:off x="3214830" y="156291"/>
+            <a:ext cx="4573368" cy="369332"/>
+          </a:xfrm>
+          <a:prstGeom prst="rect">
+            <a:avLst/>
+          </a:prstGeom>
+        </p:spPr>
+        <p:txBody>
+          <a:bodyPr wrap="none">
+            <a:spAutoFit/>
+          </a:bodyPr>
+          <a:lstStyle/>
+          <a:p>
+            <a:r>
+              <a:rPr lang="fi-FI" dirty="0"/>
+              <a:t>git clone https://github.com/timleh/HTML5.git</a:t>
+            </a:r>
+            <a:endParaRPr lang="fi-FI" dirty="0"/>
           </a:p>
         </p:txBody>
       </p:sp>
@@ -3808,36 +3855,61 @@
       </p:sp>
       <p:sp>
         <p:nvSpPr>
-          <p:cNvPr id="7" name="Rectangle 6"/>
+          <p:cNvPr id="8" name="Rectangle 7"/>
           <p:cNvSpPr/>
           <p:nvPr/>
         </p:nvSpPr>
         <p:spPr>
           <a:xfrm>
-            <a:off x="3391394" y="6144243"/>
-            <a:ext cx="5177370" cy="646331"/>
+            <a:off x="3214830" y="156291"/>
+            <a:ext cx="4573368" cy="369332"/>
           </a:xfrm>
           <a:prstGeom prst="rect">
             <a:avLst/>
           </a:prstGeom>
         </p:spPr>
         <p:txBody>
+          <a:bodyPr wrap="none">
+            <a:spAutoFit/>
+          </a:bodyPr>
+          <a:lstStyle/>
+          <a:p>
+            <a:r>
+              <a:rPr lang="fi-FI" dirty="0"/>
+              <a:t>git clone https://github.com/timleh/HTML5.git</a:t>
+            </a:r>
+            <a:endParaRPr lang="fi-FI" dirty="0"/>
+          </a:p>
+        </p:txBody>
+      </p:sp>
+      <p:sp>
+        <p:nvSpPr>
+          <p:cNvPr id="9" name="Rectangle 8"/>
+          <p:cNvSpPr/>
+          <p:nvPr/>
+        </p:nvSpPr>
+        <p:spPr>
+          <a:xfrm>
+            <a:off x="5627245" y="5771043"/>
+            <a:ext cx="3378900" cy="923330"/>
+          </a:xfrm>
+          <a:prstGeom prst="rect">
+            <a:avLst/>
+          </a:prstGeom>
+        </p:spPr>
+        <p:txBody>
           <a:bodyPr wrap="square">
             <a:spAutoFit/>
           </a:bodyPr>
           <a:lstStyle/>
           <a:p>
             <a:r>
-              <a:rPr lang="en-US" dirty="0" err="1" smtClean="0"/>
-              <a:t>Lopuksi</a:t>
-            </a:r>
-            <a:r>
-              <a:rPr lang="en-US" dirty="0" smtClean="0"/>
-              <a:t> </a:t>
-            </a:r>
-            <a:r>
-              <a:rPr lang="en-US" dirty="0" err="1" smtClean="0"/>
-              <a:t>pushataan</a:t>
+              <a:rPr lang="en-US" dirty="0" err="1"/>
+              <a:t>P</a:t>
+            </a:r>
+            <a:r>
+              <a:rPr lang="en-US" dirty="0" err="1" smtClean="0"/>
+              <a:t>ushataan</a:t>
             </a:r>
             <a:r>
               <a:rPr lang="en-US" dirty="0" smtClean="0"/>
@@ -3857,6 +3929,25 @@
             </a:r>
             <a:r>
               <a:rPr lang="en-US" dirty="0" smtClean="0"/>
+              <a:t/>
+            </a:r>
+            <a:br>
+              <a:rPr lang="en-US" dirty="0" smtClean="0"/>
+            </a:br>
+            <a:r>
+              <a:rPr lang="en-US" dirty="0" err="1" smtClean="0"/>
+              <a:t>tiedostoon</a:t>
+            </a:r>
+            <a:r>
+              <a:rPr lang="en-US" dirty="0" smtClean="0"/>
+              <a:t> </a:t>
+            </a:r>
+            <a:r>
+              <a:rPr lang="en-US" b="1" dirty="0" smtClean="0"/>
+              <a:t>index2.html</a:t>
+            </a:r>
+            <a:r>
+              <a:rPr lang="en-US" dirty="0" smtClean="0"/>
               <a:t> </a:t>
             </a:r>
             <a:r>
@@ -3883,7 +3974,6 @@
               <a:rPr lang="en-US" dirty="0" smtClean="0"/>
               <a:t>.</a:t>
             </a:r>
-            <a:endParaRPr lang="en-US" dirty="0" smtClean="0"/>
           </a:p>
         </p:txBody>
       </p:sp>
@@ -4128,36 +4218,61 @@
       </p:sp>
       <p:sp>
         <p:nvSpPr>
-          <p:cNvPr id="7" name="Rectangle 6"/>
+          <p:cNvPr id="6" name="Rectangle 5"/>
           <p:cNvSpPr/>
           <p:nvPr/>
         </p:nvSpPr>
         <p:spPr>
           <a:xfrm>
-            <a:off x="3391394" y="6144243"/>
-            <a:ext cx="5177370" cy="646331"/>
+            <a:off x="3214830" y="156291"/>
+            <a:ext cx="4573368" cy="369332"/>
           </a:xfrm>
           <a:prstGeom prst="rect">
             <a:avLst/>
           </a:prstGeom>
         </p:spPr>
         <p:txBody>
+          <a:bodyPr wrap="none">
+            <a:spAutoFit/>
+          </a:bodyPr>
+          <a:lstStyle/>
+          <a:p>
+            <a:r>
+              <a:rPr lang="fi-FI" dirty="0"/>
+              <a:t>git clone https://github.com/timleh/HTML5.git</a:t>
+            </a:r>
+            <a:endParaRPr lang="fi-FI" dirty="0"/>
+          </a:p>
+        </p:txBody>
+      </p:sp>
+      <p:sp>
+        <p:nvSpPr>
+          <p:cNvPr id="8" name="Rectangle 7"/>
+          <p:cNvSpPr/>
+          <p:nvPr/>
+        </p:nvSpPr>
+        <p:spPr>
+          <a:xfrm>
+            <a:off x="5604574" y="5771043"/>
+            <a:ext cx="3378900" cy="923330"/>
+          </a:xfrm>
+          <a:prstGeom prst="rect">
+            <a:avLst/>
+          </a:prstGeom>
+        </p:spPr>
+        <p:txBody>
           <a:bodyPr wrap="square">
             <a:spAutoFit/>
           </a:bodyPr>
           <a:lstStyle/>
           <a:p>
             <a:r>
-              <a:rPr lang="en-US" dirty="0" err="1" smtClean="0"/>
-              <a:t>Lopuksi</a:t>
-            </a:r>
-            <a:r>
-              <a:rPr lang="en-US" dirty="0" smtClean="0"/>
-              <a:t> </a:t>
-            </a:r>
-            <a:r>
-              <a:rPr lang="en-US" dirty="0" err="1" smtClean="0"/>
-              <a:t>pushataan</a:t>
+              <a:rPr lang="en-US" dirty="0" err="1"/>
+              <a:t>P</a:t>
+            </a:r>
+            <a:r>
+              <a:rPr lang="en-US" dirty="0" err="1" smtClean="0"/>
+              <a:t>ushataan</a:t>
             </a:r>
             <a:r>
               <a:rPr lang="en-US" dirty="0" smtClean="0"/>
@@ -4177,6 +4292,25 @@
             </a:r>
             <a:r>
               <a:rPr lang="en-US" dirty="0" smtClean="0"/>
+              <a:t/>
+            </a:r>
+            <a:br>
+              <a:rPr lang="en-US" dirty="0" smtClean="0"/>
+            </a:br>
+            <a:r>
+              <a:rPr lang="en-US" dirty="0" err="1" smtClean="0"/>
+              <a:t>tiedostoon</a:t>
+            </a:r>
+            <a:r>
+              <a:rPr lang="en-US" dirty="0" smtClean="0"/>
+              <a:t> </a:t>
+            </a:r>
+            <a:r>
+              <a:rPr lang="en-US" b="1" dirty="0" smtClean="0"/>
+              <a:t>index3.html</a:t>
+            </a:r>
+            <a:r>
+              <a:rPr lang="en-US" dirty="0" smtClean="0"/>
               <a:t> </a:t>
             </a:r>
             <a:r>
@@ -4203,7 +4337,6 @@
               <a:rPr lang="en-US" dirty="0" smtClean="0"/>
               <a:t>.</a:t>
             </a:r>
-            <a:endParaRPr lang="en-US" dirty="0" smtClean="0"/>
           </a:p>
         </p:txBody>
       </p:sp>
@@ -4381,36 +4514,61 @@
       </p:sp>
       <p:sp>
         <p:nvSpPr>
-          <p:cNvPr id="11" name="Rectangle 10"/>
+          <p:cNvPr id="6" name="Rectangle 5"/>
           <p:cNvSpPr/>
           <p:nvPr/>
         </p:nvSpPr>
         <p:spPr>
           <a:xfrm>
-            <a:off x="3673622" y="6118442"/>
-            <a:ext cx="5177370" cy="646331"/>
+            <a:off x="3214830" y="156291"/>
+            <a:ext cx="4573368" cy="369332"/>
           </a:xfrm>
           <a:prstGeom prst="rect">
             <a:avLst/>
           </a:prstGeom>
         </p:spPr>
         <p:txBody>
+          <a:bodyPr wrap="none">
+            <a:spAutoFit/>
+          </a:bodyPr>
+          <a:lstStyle/>
+          <a:p>
+            <a:r>
+              <a:rPr lang="fi-FI" dirty="0"/>
+              <a:t>git clone https://github.com/timleh/HTML5.git</a:t>
+            </a:r>
+            <a:endParaRPr lang="fi-FI" dirty="0"/>
+          </a:p>
+        </p:txBody>
+      </p:sp>
+      <p:sp>
+        <p:nvSpPr>
+          <p:cNvPr id="7" name="Rectangle 6"/>
+          <p:cNvSpPr/>
+          <p:nvPr/>
+        </p:nvSpPr>
+        <p:spPr>
+          <a:xfrm>
+            <a:off x="5627245" y="5771043"/>
+            <a:ext cx="3378900" cy="923330"/>
+          </a:xfrm>
+          <a:prstGeom prst="rect">
+            <a:avLst/>
+          </a:prstGeom>
+        </p:spPr>
+        <p:txBody>
           <a:bodyPr wrap="square">
             <a:spAutoFit/>
           </a:bodyPr>
           <a:lstStyle/>
           <a:p>
             <a:r>
-              <a:rPr lang="en-US" dirty="0" err="1" smtClean="0"/>
-              <a:t>Lopuksi</a:t>
-            </a:r>
-            <a:r>
-              <a:rPr lang="en-US" dirty="0" smtClean="0"/>
-              <a:t> </a:t>
-            </a:r>
-            <a:r>
-              <a:rPr lang="en-US" dirty="0" err="1" smtClean="0"/>
-              <a:t>pushataan</a:t>
+              <a:rPr lang="en-US" dirty="0" err="1"/>
+              <a:t>P</a:t>
+            </a:r>
+            <a:r>
+              <a:rPr lang="en-US" dirty="0" err="1" smtClean="0"/>
+              <a:t>ushataan</a:t>
             </a:r>
             <a:r>
               <a:rPr lang="en-US" dirty="0" smtClean="0"/>
@@ -4430,6 +4588,25 @@
             </a:r>
             <a:r>
               <a:rPr lang="en-US" dirty="0" smtClean="0"/>
+              <a:t/>
+            </a:r>
+            <a:br>
+              <a:rPr lang="en-US" dirty="0" smtClean="0"/>
+            </a:br>
+            <a:r>
+              <a:rPr lang="en-US" dirty="0" err="1" smtClean="0"/>
+              <a:t>tiedostoon</a:t>
+            </a:r>
+            <a:r>
+              <a:rPr lang="en-US" dirty="0" smtClean="0"/>
+              <a:t> </a:t>
+            </a:r>
+            <a:r>
+              <a:rPr lang="en-US" b="1" dirty="0" smtClean="0"/>
+              <a:t>index4.html</a:t>
+            </a:r>
+            <a:r>
+              <a:rPr lang="en-US" dirty="0" smtClean="0"/>
               <a:t> </a:t>
             </a:r>
             <a:r>
@@ -4456,7 +4633,6 @@
               <a:rPr lang="en-US" dirty="0" smtClean="0"/>
               <a:t>.</a:t>
             </a:r>
-            <a:endParaRPr lang="en-US" dirty="0" smtClean="0"/>
           </a:p>
         </p:txBody>
       </p:sp>
@@ -4657,36 +4833,61 @@
       </p:cxnSp>
       <p:sp>
         <p:nvSpPr>
-          <p:cNvPr id="8" name="Rectangle 7"/>
+          <p:cNvPr id="6" name="Rectangle 5"/>
           <p:cNvSpPr/>
           <p:nvPr/>
         </p:nvSpPr>
         <p:spPr>
           <a:xfrm>
-            <a:off x="3744179" y="6050164"/>
-            <a:ext cx="5177370" cy="646331"/>
+            <a:off x="3214830" y="156291"/>
+            <a:ext cx="4573368" cy="369332"/>
           </a:xfrm>
           <a:prstGeom prst="rect">
             <a:avLst/>
           </a:prstGeom>
         </p:spPr>
         <p:txBody>
+          <a:bodyPr wrap="none">
+            <a:spAutoFit/>
+          </a:bodyPr>
+          <a:lstStyle/>
+          <a:p>
+            <a:r>
+              <a:rPr lang="fi-FI" dirty="0"/>
+              <a:t>git clone https://github.com/timleh/HTML5.git</a:t>
+            </a:r>
+            <a:endParaRPr lang="fi-FI" dirty="0"/>
+          </a:p>
+        </p:txBody>
+      </p:sp>
+      <p:sp>
+        <p:nvSpPr>
+          <p:cNvPr id="9" name="Rectangle 8"/>
+          <p:cNvSpPr/>
+          <p:nvPr/>
+        </p:nvSpPr>
+        <p:spPr>
+          <a:xfrm>
+            <a:off x="5627245" y="5771043"/>
+            <a:ext cx="3378900" cy="923330"/>
+          </a:xfrm>
+          <a:prstGeom prst="rect">
+            <a:avLst/>
+          </a:prstGeom>
+        </p:spPr>
+        <p:txBody>
           <a:bodyPr wrap="square">
             <a:spAutoFit/>
           </a:bodyPr>
           <a:lstStyle/>
           <a:p>
             <a:r>
-              <a:rPr lang="en-US" dirty="0" err="1" smtClean="0"/>
-              <a:t>Lopuksi</a:t>
-            </a:r>
-            <a:r>
-              <a:rPr lang="en-US" dirty="0" smtClean="0"/>
-              <a:t> </a:t>
-            </a:r>
-            <a:r>
-              <a:rPr lang="en-US" dirty="0" err="1" smtClean="0"/>
-              <a:t>pushataan</a:t>
+              <a:rPr lang="en-US" dirty="0" err="1"/>
+              <a:t>P</a:t>
+            </a:r>
+            <a:r>
+              <a:rPr lang="en-US" dirty="0" err="1" smtClean="0"/>
+              <a:t>ushataan</a:t>
             </a:r>
             <a:r>
               <a:rPr lang="en-US" dirty="0" smtClean="0"/>
@@ -4706,6 +4907,25 @@
             </a:r>
             <a:r>
               <a:rPr lang="en-US" dirty="0" smtClean="0"/>
+              <a:t/>
+            </a:r>
+            <a:br>
+              <a:rPr lang="en-US" dirty="0" smtClean="0"/>
+            </a:br>
+            <a:r>
+              <a:rPr lang="en-US" dirty="0" err="1" smtClean="0"/>
+              <a:t>tiedostoon</a:t>
+            </a:r>
+            <a:r>
+              <a:rPr lang="en-US" dirty="0" smtClean="0"/>
+              <a:t> </a:t>
+            </a:r>
+            <a:r>
+              <a:rPr lang="en-US" b="1" dirty="0" smtClean="0"/>
+              <a:t>index5.html</a:t>
+            </a:r>
+            <a:r>
+              <a:rPr lang="en-US" dirty="0" smtClean="0"/>
               <a:t> </a:t>
             </a:r>
             <a:r>
@@ -4732,7 +4952,6 @@
               <a:rPr lang="en-US" dirty="0" smtClean="0"/>
               <a:t>.</a:t>
             </a:r>
-            <a:endParaRPr lang="en-US" dirty="0" smtClean="0"/>
           </a:p>
         </p:txBody>
       </p:sp>
@@ -4740,6 +4959,365 @@
     <p:extLst>
       <p:ext uri="{BB962C8B-B14F-4D97-AF65-F5344CB8AC3E}">
         <p14:creationId xmlns:p14="http://schemas.microsoft.com/office/powerpoint/2010/main" val="4256204374"/>
+      </p:ext>
+    </p:extLst>
+  </p:cSld>
+  <p:clrMapOvr>
+    <a:masterClrMapping/>
+  </p:clrMapOvr>
+</p:sld>
+</file>
+
+<file path=ppt/slides/slide6.xml><?xml version="1.0" encoding="utf-8"?>
+<p:sld xmlns:a="http://schemas.openxmlformats.org/drawingml/2006/main" xmlns:r="http://schemas.openxmlformats.org/officeDocument/2006/relationships" xmlns:p="http://schemas.openxmlformats.org/presentationml/2006/main">
+  <p:cSld>
+    <p:spTree>
+      <p:nvGrpSpPr>
+        <p:cNvPr id="1" name=""/>
+        <p:cNvGrpSpPr/>
+        <p:nvPr/>
+      </p:nvGrpSpPr>
+      <p:grpSpPr>
+        <a:xfrm>
+          <a:off x="0" y="0"/>
+          <a:ext cx="0" cy="0"/>
+          <a:chOff x="0" y="0"/>
+          <a:chExt cx="0" cy="0"/>
+        </a:xfrm>
+      </p:grpSpPr>
+      <p:pic>
+        <p:nvPicPr>
+          <p:cNvPr id="4" name="Picture 3"/>
+          <p:cNvPicPr>
+            <a:picLocks noChangeAspect="1"/>
+          </p:cNvPicPr>
+          <p:nvPr/>
+        </p:nvPicPr>
+        <p:blipFill>
+          <a:blip r:embed="rId2"/>
+          <a:stretch>
+            <a:fillRect/>
+          </a:stretch>
+        </p:blipFill>
+        <p:spPr>
+          <a:xfrm>
+            <a:off x="477212" y="310188"/>
+            <a:ext cx="7504545" cy="4739713"/>
+          </a:xfrm>
+          <a:prstGeom prst="rect">
+            <a:avLst/>
+          </a:prstGeom>
+        </p:spPr>
+      </p:pic>
+      <p:sp>
+        <p:nvSpPr>
+          <p:cNvPr id="6" name="Rectangle 5"/>
+          <p:cNvSpPr/>
+          <p:nvPr/>
+        </p:nvSpPr>
+        <p:spPr>
+          <a:xfrm>
+            <a:off x="3214830" y="156291"/>
+            <a:ext cx="4573368" cy="369332"/>
+          </a:xfrm>
+          <a:prstGeom prst="rect">
+            <a:avLst/>
+          </a:prstGeom>
+        </p:spPr>
+        <p:txBody>
+          <a:bodyPr wrap="none">
+            <a:spAutoFit/>
+          </a:bodyPr>
+          <a:lstStyle/>
+          <a:p>
+            <a:r>
+              <a:rPr lang="fi-FI" dirty="0"/>
+              <a:t>git clone https://github.com/timleh/HTML5.git</a:t>
+            </a:r>
+            <a:endParaRPr lang="fi-FI" dirty="0"/>
+          </a:p>
+        </p:txBody>
+      </p:sp>
+      <p:sp>
+        <p:nvSpPr>
+          <p:cNvPr id="9" name="TextBox 8"/>
+          <p:cNvSpPr txBox="1"/>
+          <p:nvPr/>
+        </p:nvSpPr>
+        <p:spPr>
+          <a:xfrm>
+            <a:off x="685031" y="5264727"/>
+            <a:ext cx="6680969" cy="923330"/>
+          </a:xfrm>
+          <a:prstGeom prst="rect">
+            <a:avLst/>
+          </a:prstGeom>
+          <a:noFill/>
+        </p:spPr>
+        <p:txBody>
+          <a:bodyPr wrap="square" rtlCol="0">
+            <a:spAutoFit/>
+          </a:bodyPr>
+          <a:lstStyle/>
+          <a:p>
+            <a:r>
+              <a:rPr lang="en-US" b="1" dirty="0" err="1" smtClean="0"/>
+              <a:t>Tehtävä</a:t>
+            </a:r>
+            <a:r>
+              <a:rPr lang="en-US" dirty="0" smtClean="0"/>
+              <a:t>: </a:t>
+            </a:r>
+            <a:r>
+              <a:rPr lang="en-US" dirty="0" err="1" smtClean="0"/>
+              <a:t>Miten</a:t>
+            </a:r>
+            <a:r>
+              <a:rPr lang="en-US" dirty="0" smtClean="0"/>
+              <a:t> </a:t>
+            </a:r>
+            <a:r>
+              <a:rPr lang="en-US" dirty="0" err="1" smtClean="0"/>
+              <a:t>toimivat</a:t>
+            </a:r>
+            <a:r>
+              <a:rPr lang="en-US" dirty="0" smtClean="0"/>
+              <a:t> </a:t>
+            </a:r>
+            <a:r>
+              <a:rPr lang="en-US" dirty="0" err="1" smtClean="0"/>
+              <a:t>fontit</a:t>
+            </a:r>
+            <a:r>
+              <a:rPr lang="en-US" dirty="0" smtClean="0"/>
+              <a:t> </a:t>
+            </a:r>
+            <a:r>
+              <a:rPr lang="en-US" dirty="0" err="1" smtClean="0"/>
+              <a:t>tänä</a:t>
+            </a:r>
+            <a:r>
+              <a:rPr lang="en-US" dirty="0" smtClean="0"/>
+              <a:t> </a:t>
+            </a:r>
+            <a:r>
+              <a:rPr lang="en-US" dirty="0" err="1" smtClean="0"/>
+              <a:t>päivänä</a:t>
+            </a:r>
+            <a:r>
+              <a:rPr lang="en-US" dirty="0" smtClean="0"/>
+              <a:t>? </a:t>
+            </a:r>
+            <a:r>
+              <a:rPr lang="en-US" dirty="0" err="1" smtClean="0"/>
+              <a:t>Asetaan</a:t>
+            </a:r>
+            <a:r>
+              <a:rPr lang="en-US" dirty="0" smtClean="0"/>
+              <a:t> </a:t>
+            </a:r>
+            <a:r>
+              <a:rPr lang="en-US" dirty="0" err="1" smtClean="0"/>
+              <a:t>koko</a:t>
+            </a:r>
+            <a:r>
+              <a:rPr lang="en-US" dirty="0" smtClean="0"/>
+              <a:t> </a:t>
+            </a:r>
+            <a:r>
+              <a:rPr lang="en-US" dirty="0" err="1" smtClean="0"/>
+              <a:t>sivuston</a:t>
+            </a:r>
+            <a:r>
+              <a:rPr lang="en-US" dirty="0" smtClean="0"/>
+              <a:t> </a:t>
+            </a:r>
+            <a:r>
+              <a:rPr lang="en-US" dirty="0" err="1"/>
+              <a:t>fontiksi</a:t>
+            </a:r>
+            <a:r>
+              <a:rPr lang="en-US" dirty="0"/>
+              <a:t> </a:t>
+            </a:r>
+            <a:r>
+              <a:rPr lang="en-US" dirty="0" smtClean="0"/>
+              <a:t>“chaparral-pro”. </a:t>
+            </a:r>
+            <a:r>
+              <a:rPr lang="en-US" dirty="0" err="1" smtClean="0"/>
+              <a:t>Jatkokysymys</a:t>
+            </a:r>
+            <a:r>
+              <a:rPr lang="en-US" dirty="0" smtClean="0"/>
+              <a:t>: </a:t>
+            </a:r>
+            <a:r>
+              <a:rPr lang="en-US" dirty="0" err="1" smtClean="0"/>
+              <a:t>mikä</a:t>
+            </a:r>
+            <a:r>
+              <a:rPr lang="en-US" dirty="0" smtClean="0"/>
+              <a:t> on baseline </a:t>
+            </a:r>
+            <a:r>
+              <a:rPr lang="en-US" dirty="0" err="1" smtClean="0"/>
+              <a:t>ja</a:t>
+            </a:r>
+            <a:r>
+              <a:rPr lang="en-US" dirty="0" smtClean="0"/>
+              <a:t> </a:t>
+            </a:r>
+            <a:r>
+              <a:rPr lang="en-US" dirty="0" err="1" smtClean="0"/>
+              <a:t>miten</a:t>
+            </a:r>
+            <a:r>
+              <a:rPr lang="en-US" dirty="0" smtClean="0"/>
+              <a:t/>
+            </a:r>
+            <a:br>
+              <a:rPr lang="en-US" dirty="0" smtClean="0"/>
+            </a:br>
+            <a:r>
+              <a:rPr lang="en-US" dirty="0" smtClean="0"/>
+              <a:t>se </a:t>
+            </a:r>
+            <a:r>
+              <a:rPr lang="en-US" dirty="0" err="1" smtClean="0"/>
+              <a:t>voisi</a:t>
+            </a:r>
+            <a:r>
+              <a:rPr lang="en-US" dirty="0" smtClean="0"/>
+              <a:t> </a:t>
+            </a:r>
+            <a:r>
+              <a:rPr lang="en-US" dirty="0" err="1" smtClean="0"/>
+              <a:t>toimia</a:t>
+            </a:r>
+            <a:r>
+              <a:rPr lang="en-US" dirty="0" smtClean="0"/>
+              <a:t> </a:t>
+            </a:r>
+            <a:r>
+              <a:rPr lang="en-US" dirty="0" err="1" smtClean="0"/>
+              <a:t>tällä</a:t>
+            </a:r>
+            <a:r>
+              <a:rPr lang="en-US" dirty="0" smtClean="0"/>
+              <a:t> </a:t>
+            </a:r>
+            <a:r>
+              <a:rPr lang="en-US" dirty="0" err="1" smtClean="0"/>
+              <a:t>sivulla</a:t>
+            </a:r>
+            <a:r>
+              <a:rPr lang="en-US" dirty="0" smtClean="0"/>
+              <a:t>?</a:t>
+            </a:r>
+            <a:endParaRPr lang="en-US" dirty="0" smtClean="0"/>
+          </a:p>
+        </p:txBody>
+      </p:sp>
+      <p:sp>
+        <p:nvSpPr>
+          <p:cNvPr id="10" name="Rectangle 9"/>
+          <p:cNvSpPr/>
+          <p:nvPr/>
+        </p:nvSpPr>
+        <p:spPr>
+          <a:xfrm>
+            <a:off x="5627245" y="5925962"/>
+            <a:ext cx="3378900" cy="923330"/>
+          </a:xfrm>
+          <a:prstGeom prst="rect">
+            <a:avLst/>
+          </a:prstGeom>
+        </p:spPr>
+        <p:txBody>
+          <a:bodyPr wrap="square">
+            <a:spAutoFit/>
+          </a:bodyPr>
+          <a:lstStyle/>
+          <a:p>
+            <a:r>
+              <a:rPr lang="en-US" dirty="0" err="1"/>
+              <a:t>P</a:t>
+            </a:r>
+            <a:r>
+              <a:rPr lang="en-US" dirty="0" err="1" smtClean="0"/>
+              <a:t>ushataan</a:t>
+            </a:r>
+            <a:r>
+              <a:rPr lang="en-US" dirty="0" smtClean="0"/>
+              <a:t> </a:t>
+            </a:r>
+            <a:r>
+              <a:rPr lang="en-US" dirty="0" err="1" smtClean="0"/>
+              <a:t>muutokset</a:t>
+            </a:r>
+            <a:r>
+              <a:rPr lang="en-US" dirty="0" smtClean="0"/>
+              <a:t> </a:t>
+            </a:r>
+            <a:r>
+              <a:rPr lang="en-US" dirty="0" err="1" smtClean="0"/>
+              <a:t>githubiin</a:t>
+            </a:r>
+            <a:r>
+              <a:rPr lang="en-US" dirty="0" smtClean="0"/>
+              <a:t/>
+            </a:r>
+            <a:br>
+              <a:rPr lang="en-US" dirty="0" smtClean="0"/>
+            </a:br>
+            <a:r>
+              <a:rPr lang="en-US" dirty="0" err="1" smtClean="0"/>
+              <a:t>tiedostoon</a:t>
+            </a:r>
+            <a:r>
+              <a:rPr lang="en-US" dirty="0" smtClean="0"/>
+              <a:t> </a:t>
+            </a:r>
+            <a:r>
+              <a:rPr lang="en-US" b="1" dirty="0" smtClean="0"/>
+              <a:t>index6.html</a:t>
+            </a:r>
+            <a:r>
+              <a:rPr lang="en-US" dirty="0" smtClean="0"/>
+              <a:t> </a:t>
+            </a:r>
+            <a:r>
+              <a:rPr lang="en-US" dirty="0" err="1" smtClean="0"/>
+              <a:t>ja</a:t>
+            </a:r>
+            <a:r>
+              <a:rPr lang="en-US" dirty="0" smtClean="0"/>
+              <a:t> </a:t>
+            </a:r>
+            <a:r>
+              <a:rPr lang="en-US" dirty="0" err="1" smtClean="0"/>
+              <a:t>esitellään</a:t>
+            </a:r>
+            <a:r>
+              <a:rPr lang="en-US" dirty="0" smtClean="0"/>
+              <a:t> </a:t>
+            </a:r>
+            <a:r>
+              <a:rPr lang="en-US" dirty="0" err="1" smtClean="0"/>
+              <a:t>lähdekoodia</a:t>
+            </a:r>
+            <a:r>
+              <a:rPr lang="en-US" dirty="0" smtClean="0"/>
+              <a:t>.</a:t>
+            </a:r>
+          </a:p>
+        </p:txBody>
+      </p:sp>
+    </p:spTree>
+    <p:extLst>
+      <p:ext uri="{BB962C8B-B14F-4D97-AF65-F5344CB8AC3E}">
+        <p14:creationId xmlns:p14="http://schemas.microsoft.com/office/powerpoint/2010/main" val="771246922"/>
       </p:ext>
     </p:extLst>
   </p:cSld>
